--- a/colaboratoryの操作.pptx
+++ b/colaboratoryの操作.pptx
@@ -5,7 +5,7 @@
     <p:sldMasterId id="2147483673" r:id="rId1"/>
   </p:sldMasterIdLst>
   <p:notesMasterIdLst>
-    <p:notesMasterId r:id="rId15"/>
+    <p:notesMasterId r:id="rId16"/>
   </p:notesMasterIdLst>
   <p:sldIdLst>
     <p:sldId id="256" r:id="rId2"/>
@@ -16,11 +16,12 @@
     <p:sldId id="266" r:id="rId7"/>
     <p:sldId id="267" r:id="rId8"/>
     <p:sldId id="268" r:id="rId9"/>
-    <p:sldId id="1237" r:id="rId10"/>
-    <p:sldId id="1240" r:id="rId11"/>
-    <p:sldId id="1241" r:id="rId12"/>
-    <p:sldId id="262" r:id="rId13"/>
-    <p:sldId id="1229" r:id="rId14"/>
+    <p:sldId id="1242" r:id="rId10"/>
+    <p:sldId id="1237" r:id="rId11"/>
+    <p:sldId id="1240" r:id="rId12"/>
+    <p:sldId id="1241" r:id="rId13"/>
+    <p:sldId id="262" r:id="rId14"/>
+    <p:sldId id="1229" r:id="rId15"/>
   </p:sldIdLst>
   <p:sldSz cx="12192000" cy="6858000"/>
   <p:notesSz cx="6858000" cy="9144000"/>
@@ -3737,6 +3738,149 @@
           <a:chExt cx="0" cy="0"/>
         </a:xfrm>
       </p:grpSpPr>
+      <p:sp>
+        <p:nvSpPr>
+          <p:cNvPr id="2" name="テキスト ボックス 1">
+            <a:extLst>
+              <a:ext uri="{FF2B5EF4-FFF2-40B4-BE49-F238E27FC236}">
+                <a16:creationId xmlns:a16="http://schemas.microsoft.com/office/drawing/2014/main" id="{AA0D84AA-B6C8-3455-B172-3F9BE5DABE05}"/>
+              </a:ext>
+            </a:extLst>
+          </p:cNvPr>
+          <p:cNvSpPr txBox="1"/>
+          <p:nvPr/>
+        </p:nvSpPr>
+        <p:spPr>
+          <a:xfrm>
+            <a:off x="513183" y="2631232"/>
+            <a:ext cx="10137327" cy="646331"/>
+          </a:xfrm>
+          <a:prstGeom prst="rect">
+            <a:avLst/>
+          </a:prstGeom>
+          <a:noFill/>
+        </p:spPr>
+        <p:txBody>
+          <a:bodyPr wrap="none" rtlCol="0">
+            <a:spAutoFit/>
+          </a:bodyPr>
+          <a:lstStyle/>
+          <a:p>
+            <a:pPr algn="l"/>
+            <a:r>
+              <a:rPr kumimoji="1" lang="en-US" altLang="ja-JP" sz="3600" dirty="0">
+                <a:latin typeface="メイリオ" panose="020B0604030504040204" pitchFamily="50" charset="-128"/>
+                <a:ea typeface="メイリオ" panose="020B0604030504040204" pitchFamily="50" charset="-128"/>
+              </a:rPr>
+              <a:t>Google </a:t>
+            </a:r>
+            <a:r>
+              <a:rPr kumimoji="1" lang="en-US" altLang="ja-JP" sz="3600" dirty="0" err="1">
+                <a:latin typeface="メイリオ" panose="020B0604030504040204" pitchFamily="50" charset="-128"/>
+                <a:ea typeface="メイリオ" panose="020B0604030504040204" pitchFamily="50" charset="-128"/>
+              </a:rPr>
+              <a:t>colaboratory</a:t>
+            </a:r>
+            <a:r>
+              <a:rPr kumimoji="1" lang="en-US" altLang="ja-JP" sz="3600" dirty="0">
+                <a:latin typeface="メイリオ" panose="020B0604030504040204" pitchFamily="50" charset="-128"/>
+                <a:ea typeface="メイリオ" panose="020B0604030504040204" pitchFamily="50" charset="-128"/>
+              </a:rPr>
+              <a:t> </a:t>
+            </a:r>
+            <a:r>
+              <a:rPr kumimoji="1" lang="ja-JP" altLang="en-US" sz="3600" dirty="0">
+                <a:latin typeface="メイリオ" panose="020B0604030504040204" pitchFamily="50" charset="-128"/>
+                <a:ea typeface="メイリオ" panose="020B0604030504040204" pitchFamily="50" charset="-128"/>
+              </a:rPr>
+              <a:t>と </a:t>
+            </a:r>
+            <a:r>
+              <a:rPr kumimoji="1" lang="en-US" altLang="ja-JP" sz="3600" dirty="0">
+                <a:latin typeface="メイリオ" panose="020B0604030504040204" pitchFamily="50" charset="-128"/>
+                <a:ea typeface="メイリオ" panose="020B0604030504040204" pitchFamily="50" charset="-128"/>
+              </a:rPr>
+              <a:t>Google drive</a:t>
+            </a:r>
+            <a:r>
+              <a:rPr kumimoji="1" lang="ja-JP" altLang="en-US" sz="3600" dirty="0">
+                <a:latin typeface="メイリオ" panose="020B0604030504040204" pitchFamily="50" charset="-128"/>
+                <a:ea typeface="メイリオ" panose="020B0604030504040204" pitchFamily="50" charset="-128"/>
+              </a:rPr>
+              <a:t>との連携</a:t>
+            </a:r>
+          </a:p>
+        </p:txBody>
+      </p:sp>
+      <p:sp>
+        <p:nvSpPr>
+          <p:cNvPr id="3" name="テキスト ボックス 2">
+            <a:extLst>
+              <a:ext uri="{FF2B5EF4-FFF2-40B4-BE49-F238E27FC236}">
+                <a16:creationId xmlns:a16="http://schemas.microsoft.com/office/drawing/2014/main" id="{0B9EEDDB-2CAB-2956-A233-8AE7865CF5FC}"/>
+              </a:ext>
+            </a:extLst>
+          </p:cNvPr>
+          <p:cNvSpPr txBox="1"/>
+          <p:nvPr/>
+        </p:nvSpPr>
+        <p:spPr>
+          <a:xfrm>
+            <a:off x="513183" y="3277563"/>
+            <a:ext cx="1415772" cy="461665"/>
+          </a:xfrm>
+          <a:prstGeom prst="rect">
+            <a:avLst/>
+          </a:prstGeom>
+          <a:noFill/>
+        </p:spPr>
+        <p:txBody>
+          <a:bodyPr wrap="none" rtlCol="0">
+            <a:spAutoFit/>
+          </a:bodyPr>
+          <a:lstStyle/>
+          <a:p>
+            <a:pPr algn="l"/>
+            <a:r>
+              <a:rPr kumimoji="1" lang="ja-JP" altLang="en-US" sz="2400" dirty="0">
+                <a:latin typeface="メイリオ" panose="020B0604030504040204" pitchFamily="50" charset="-128"/>
+                <a:ea typeface="メイリオ" panose="020B0604030504040204" pitchFamily="50" charset="-128"/>
+              </a:rPr>
+              <a:t>（参考）</a:t>
+            </a:r>
+          </a:p>
+        </p:txBody>
+      </p:sp>
+    </p:spTree>
+    <p:extLst>
+      <p:ext uri="{BB962C8B-B14F-4D97-AF65-F5344CB8AC3E}">
+        <p14:creationId xmlns:p14="http://schemas.microsoft.com/office/powerpoint/2010/main" val="535549270"/>
+      </p:ext>
+    </p:extLst>
+  </p:cSld>
+  <p:clrMapOvr>
+    <a:masterClrMapping/>
+  </p:clrMapOvr>
+</p:sld>
+</file>
+
+<file path=ppt/slides/slide11.xml><?xml version="1.0" encoding="utf-8"?>
+<p:sld xmlns:a="http://schemas.openxmlformats.org/drawingml/2006/main" xmlns:r="http://schemas.openxmlformats.org/officeDocument/2006/relationships" xmlns:p="http://schemas.openxmlformats.org/presentationml/2006/main">
+  <p:cSld>
+    <p:spTree>
+      <p:nvGrpSpPr>
+        <p:cNvPr id="1" name=""/>
+        <p:cNvGrpSpPr/>
+        <p:nvPr/>
+      </p:nvGrpSpPr>
+      <p:grpSpPr>
+        <a:xfrm>
+          <a:off x="0" y="0"/>
+          <a:ext cx="0" cy="0"/>
+          <a:chOff x="0" y="0"/>
+          <a:chExt cx="0" cy="0"/>
+        </a:xfrm>
+      </p:grpSpPr>
       <p:pic>
         <p:nvPicPr>
           <p:cNvPr id="6" name="図 5">
@@ -3938,7 +4082,7 @@
 </p:sld>
 </file>
 
-<file path=ppt/slides/slide11.xml><?xml version="1.0" encoding="utf-8"?>
+<file path=ppt/slides/slide12.xml><?xml version="1.0" encoding="utf-8"?>
 <p:sld xmlns:a="http://schemas.openxmlformats.org/drawingml/2006/main" xmlns:r="http://schemas.openxmlformats.org/officeDocument/2006/relationships" xmlns:p="http://schemas.openxmlformats.org/presentationml/2006/main">
   <p:cSld>
     <p:spTree>
@@ -4076,7 +4220,7 @@
 </p:sld>
 </file>
 
-<file path=ppt/slides/slide12.xml><?xml version="1.0" encoding="utf-8"?>
+<file path=ppt/slides/slide13.xml><?xml version="1.0" encoding="utf-8"?>
 <p:sld xmlns:a="http://schemas.openxmlformats.org/drawingml/2006/main" xmlns:r="http://schemas.openxmlformats.org/officeDocument/2006/relationships" xmlns:p="http://schemas.openxmlformats.org/presentationml/2006/main">
   <p:cSld>
     <p:spTree>
@@ -4338,7 +4482,7 @@
 </p:sld>
 </file>
 
-<file path=ppt/slides/slide13.xml><?xml version="1.0" encoding="utf-8"?>
+<file path=ppt/slides/slide14.xml><?xml version="1.0" encoding="utf-8"?>
 <p:sld xmlns:a="http://schemas.openxmlformats.org/drawingml/2006/main" xmlns:r="http://schemas.openxmlformats.org/officeDocument/2006/relationships" xmlns:p="http://schemas.openxmlformats.org/presentationml/2006/main">
   <p:cSld>
     <p:spTree>
@@ -6125,7 +6269,7 @@
           <p:cNvPr id="2" name="テキスト ボックス 1">
             <a:extLst>
               <a:ext uri="{FF2B5EF4-FFF2-40B4-BE49-F238E27FC236}">
-                <a16:creationId xmlns:a16="http://schemas.microsoft.com/office/drawing/2014/main" id="{AA0D84AA-B6C8-3455-B172-3F9BE5DABE05}"/>
+                <a16:creationId xmlns:a16="http://schemas.microsoft.com/office/drawing/2014/main" id="{A36D5FC7-0584-1568-A9AF-11979AD2E0DE}"/>
               </a:ext>
             </a:extLst>
           </p:cNvPr>
@@ -6134,8 +6278,8 @@
         </p:nvSpPr>
         <p:spPr>
           <a:xfrm>
-            <a:off x="513183" y="2631232"/>
-            <a:ext cx="10137327" cy="646331"/>
+            <a:off x="709127" y="606490"/>
+            <a:ext cx="5929828" cy="584775"/>
           </a:xfrm>
           <a:prstGeom prst="rect">
             <a:avLst/>
@@ -6150,46 +6294,11 @@
           <a:p>
             <a:pPr algn="l"/>
             <a:r>
-              <a:rPr kumimoji="1" lang="en-US" altLang="ja-JP" sz="3600" dirty="0">
-                <a:latin typeface="メイリオ" panose="020B0604030504040204" pitchFamily="50" charset="-128"/>
-                <a:ea typeface="メイリオ" panose="020B0604030504040204" pitchFamily="50" charset="-128"/>
-              </a:rPr>
-              <a:t>Google </a:t>
-            </a:r>
-            <a:r>
-              <a:rPr kumimoji="1" lang="en-US" altLang="ja-JP" sz="3600" dirty="0" err="1">
-                <a:latin typeface="メイリオ" panose="020B0604030504040204" pitchFamily="50" charset="-128"/>
-                <a:ea typeface="メイリオ" panose="020B0604030504040204" pitchFamily="50" charset="-128"/>
-              </a:rPr>
-              <a:t>colaboratory</a:t>
-            </a:r>
-            <a:r>
-              <a:rPr kumimoji="1" lang="en-US" altLang="ja-JP" sz="3600" dirty="0">
-                <a:latin typeface="メイリオ" panose="020B0604030504040204" pitchFamily="50" charset="-128"/>
-                <a:ea typeface="メイリオ" panose="020B0604030504040204" pitchFamily="50" charset="-128"/>
-              </a:rPr>
-              <a:t> </a:t>
-            </a:r>
-            <a:r>
-              <a:rPr kumimoji="1" lang="ja-JP" altLang="en-US" sz="3600" dirty="0">
-                <a:latin typeface="メイリオ" panose="020B0604030504040204" pitchFamily="50" charset="-128"/>
-                <a:ea typeface="メイリオ" panose="020B0604030504040204" pitchFamily="50" charset="-128"/>
-              </a:rPr>
-              <a:t>と </a:t>
-            </a:r>
-            <a:r>
-              <a:rPr kumimoji="1" lang="en-US" altLang="ja-JP" sz="3600" dirty="0">
-                <a:latin typeface="メイリオ" panose="020B0604030504040204" pitchFamily="50" charset="-128"/>
-                <a:ea typeface="メイリオ" panose="020B0604030504040204" pitchFamily="50" charset="-128"/>
-              </a:rPr>
-              <a:t>Google drive</a:t>
-            </a:r>
-            <a:r>
-              <a:rPr kumimoji="1" lang="ja-JP" altLang="en-US" sz="3600" dirty="0">
-                <a:latin typeface="メイリオ" panose="020B0604030504040204" pitchFamily="50" charset="-128"/>
-                <a:ea typeface="メイリオ" panose="020B0604030504040204" pitchFamily="50" charset="-128"/>
-              </a:rPr>
-              <a:t>との連携</a:t>
+              <a:rPr kumimoji="1" lang="ja-JP" altLang="en-US" sz="3200" dirty="0">
+                <a:latin typeface="メイリオ" panose="020B0604030504040204" pitchFamily="50" charset="-128"/>
+                <a:ea typeface="メイリオ" panose="020B0604030504040204" pitchFamily="50" charset="-128"/>
+              </a:rPr>
+              <a:t>同様に以下も試してください。</a:t>
             </a:r>
           </a:p>
         </p:txBody>
@@ -6199,7 +6308,7 @@
           <p:cNvPr id="3" name="テキスト ボックス 2">
             <a:extLst>
               <a:ext uri="{FF2B5EF4-FFF2-40B4-BE49-F238E27FC236}">
-                <a16:creationId xmlns:a16="http://schemas.microsoft.com/office/drawing/2014/main" id="{0B9EEDDB-2CAB-2956-A233-8AE7865CF5FC}"/>
+                <a16:creationId xmlns:a16="http://schemas.microsoft.com/office/drawing/2014/main" id="{C2625CD1-A7A7-F727-1BEE-9CAE673D84D8}"/>
               </a:ext>
             </a:extLst>
           </p:cNvPr>
@@ -6208,8 +6317,8 @@
         </p:nvSpPr>
         <p:spPr>
           <a:xfrm>
-            <a:off x="513183" y="3277563"/>
-            <a:ext cx="1415772" cy="461665"/>
+            <a:off x="1250302" y="2052735"/>
+            <a:ext cx="8956298" cy="1200329"/>
           </a:xfrm>
           <a:prstGeom prst="rect">
             <a:avLst/>
@@ -6222,13 +6331,89 @@
           </a:bodyPr>
           <a:lstStyle/>
           <a:p>
-            <a:pPr algn="l"/>
+            <a:pPr marL="457200" indent="-457200" algn="l">
+              <a:buAutoNum type="arabicPeriod"/>
+            </a:pPr>
             <a:r>
               <a:rPr kumimoji="1" lang="ja-JP" altLang="en-US" sz="2400" dirty="0">
                 <a:latin typeface="メイリオ" panose="020B0604030504040204" pitchFamily="50" charset="-128"/>
                 <a:ea typeface="メイリオ" panose="020B0604030504040204" pitchFamily="50" charset="-128"/>
               </a:rPr>
-              <a:t>（参考）</a:t>
+              <a:t>ノートブック </a:t>
+            </a:r>
+            <a:r>
+              <a:rPr kumimoji="1" lang="en-US" altLang="ja-JP" sz="2400" dirty="0" err="1">
+                <a:latin typeface="メイリオ" panose="020B0604030504040204" pitchFamily="50" charset="-128"/>
+                <a:ea typeface="メイリオ" panose="020B0604030504040204" pitchFamily="50" charset="-128"/>
+              </a:rPr>
+              <a:t>vae_mnist.ipynb</a:t>
+            </a:r>
+            <a:r>
+              <a:rPr kumimoji="1" lang="en-US" altLang="ja-JP" sz="2400" dirty="0">
+                <a:latin typeface="メイリオ" panose="020B0604030504040204" pitchFamily="50" charset="-128"/>
+                <a:ea typeface="メイリオ" panose="020B0604030504040204" pitchFamily="50" charset="-128"/>
+              </a:rPr>
+              <a:t> </a:t>
+            </a:r>
+            <a:r>
+              <a:rPr kumimoji="1" lang="ja-JP" altLang="en-US" sz="2400" dirty="0">
+                <a:latin typeface="メイリオ" panose="020B0604030504040204" pitchFamily="50" charset="-128"/>
+                <a:ea typeface="メイリオ" panose="020B0604030504040204" pitchFamily="50" charset="-128"/>
+              </a:rPr>
+              <a:t>をアップロード</a:t>
+            </a:r>
+            <a:endParaRPr kumimoji="1" lang="en-US" altLang="ja-JP" sz="2400" dirty="0">
+              <a:latin typeface="メイリオ" panose="020B0604030504040204" pitchFamily="50" charset="-128"/>
+              <a:ea typeface="メイリオ" panose="020B0604030504040204" pitchFamily="50" charset="-128"/>
+            </a:endParaRPr>
+          </a:p>
+          <a:p>
+            <a:pPr marL="457200" indent="-457200" algn="l">
+              <a:buAutoNum type="arabicPeriod"/>
+            </a:pPr>
+            <a:r>
+              <a:rPr kumimoji="1" lang="ja-JP" altLang="en-US" sz="2400" dirty="0">
+                <a:latin typeface="メイリオ" panose="020B0604030504040204" pitchFamily="50" charset="-128"/>
+                <a:ea typeface="メイリオ" panose="020B0604030504040204" pitchFamily="50" charset="-128"/>
+              </a:rPr>
+              <a:t>ファイル </a:t>
+            </a:r>
+            <a:r>
+              <a:rPr kumimoji="1" lang="en-US" altLang="ja-JP" sz="2400">
+                <a:latin typeface="メイリオ" panose="020B0604030504040204" pitchFamily="50" charset="-128"/>
+                <a:ea typeface="メイリオ" panose="020B0604030504040204" pitchFamily="50" charset="-128"/>
+              </a:rPr>
+              <a:t>mnist10000.csv </a:t>
+            </a:r>
+            <a:r>
+              <a:rPr kumimoji="1" lang="ja-JP" altLang="en-US" sz="2400">
+                <a:latin typeface="メイリオ" panose="020B0604030504040204" pitchFamily="50" charset="-128"/>
+                <a:ea typeface="メイリオ" panose="020B0604030504040204" pitchFamily="50" charset="-128"/>
+              </a:rPr>
+              <a:t>を</a:t>
+            </a:r>
+            <a:r>
+              <a:rPr kumimoji="1" lang="ja-JP" altLang="en-US" sz="2400" dirty="0">
+                <a:latin typeface="メイリオ" panose="020B0604030504040204" pitchFamily="50" charset="-128"/>
+                <a:ea typeface="メイリオ" panose="020B0604030504040204" pitchFamily="50" charset="-128"/>
+              </a:rPr>
+              <a:t>アップロード</a:t>
+            </a:r>
+            <a:endParaRPr kumimoji="1" lang="en-US" altLang="ja-JP" sz="2400" dirty="0">
+              <a:latin typeface="メイリオ" panose="020B0604030504040204" pitchFamily="50" charset="-128"/>
+              <a:ea typeface="メイリオ" panose="020B0604030504040204" pitchFamily="50" charset="-128"/>
+            </a:endParaRPr>
+          </a:p>
+          <a:p>
+            <a:pPr marL="457200" indent="-457200" algn="l">
+              <a:buAutoNum type="arabicPeriod"/>
+            </a:pPr>
+            <a:r>
+              <a:rPr kumimoji="1" lang="ja-JP" altLang="en-US" sz="2400" dirty="0">
+                <a:latin typeface="メイリオ" panose="020B0604030504040204" pitchFamily="50" charset="-128"/>
+                <a:ea typeface="メイリオ" panose="020B0604030504040204" pitchFamily="50" charset="-128"/>
+              </a:rPr>
+              <a:t>アップロードしたノートブックのセルを上から順に実行する</a:t>
             </a:r>
           </a:p>
         </p:txBody>
@@ -6236,7 +6421,7 @@
     </p:spTree>
     <p:extLst>
       <p:ext uri="{BB962C8B-B14F-4D97-AF65-F5344CB8AC3E}">
-        <p14:creationId xmlns:p14="http://schemas.microsoft.com/office/powerpoint/2010/main" val="535549270"/>
+        <p14:creationId xmlns:p14="http://schemas.microsoft.com/office/powerpoint/2010/main" val="1835293314"/>
       </p:ext>
     </p:extLst>
   </p:cSld>

--- a/colaboratoryの操作.pptx
+++ b/colaboratoryの操作.pptx
@@ -210,7 +210,7 @@
           <a:p>
             <a:fld id="{B176FF22-B1CA-4671-AC40-D6AD1168A308}" type="datetimeFigureOut">
               <a:rPr kumimoji="1" lang="ja-JP" altLang="en-US" smtClean="0"/>
-              <a:t>2024/5/22</a:t>
+              <a:t>2024/6/13</a:t>
             </a:fld>
             <a:endParaRPr kumimoji="1" lang="ja-JP" altLang="en-US"/>
           </a:p>
@@ -640,7 +640,7 @@
           <a:p>
             <a:fld id="{2ABC02D7-CBD1-4D33-B166-78A898DF0F76}" type="datetimeFigureOut">
               <a:rPr kumimoji="1" lang="ja-JP" altLang="en-US" smtClean="0"/>
-              <a:t>2024/5/22</a:t>
+              <a:t>2024/6/13</a:t>
             </a:fld>
             <a:endParaRPr kumimoji="1" lang="ja-JP" altLang="en-US"/>
           </a:p>
@@ -842,7 +842,7 @@
           <a:p>
             <a:fld id="{2ABC02D7-CBD1-4D33-B166-78A898DF0F76}" type="datetimeFigureOut">
               <a:rPr kumimoji="1" lang="ja-JP" altLang="en-US" smtClean="0"/>
-              <a:t>2024/5/22</a:t>
+              <a:t>2024/6/13</a:t>
             </a:fld>
             <a:endParaRPr kumimoji="1" lang="ja-JP" altLang="en-US"/>
           </a:p>
@@ -1054,7 +1054,7 @@
           <a:p>
             <a:fld id="{2ABC02D7-CBD1-4D33-B166-78A898DF0F76}" type="datetimeFigureOut">
               <a:rPr kumimoji="1" lang="ja-JP" altLang="en-US" smtClean="0"/>
-              <a:t>2024/5/22</a:t>
+              <a:t>2024/6/13</a:t>
             </a:fld>
             <a:endParaRPr kumimoji="1" lang="ja-JP" altLang="en-US"/>
           </a:p>
@@ -1256,7 +1256,7 @@
           <a:p>
             <a:fld id="{2ABC02D7-CBD1-4D33-B166-78A898DF0F76}" type="datetimeFigureOut">
               <a:rPr kumimoji="1" lang="ja-JP" altLang="en-US" smtClean="0"/>
-              <a:t>2024/5/22</a:t>
+              <a:t>2024/6/13</a:t>
             </a:fld>
             <a:endParaRPr kumimoji="1" lang="ja-JP" altLang="en-US"/>
           </a:p>
@@ -1502,7 +1502,7 @@
           <a:p>
             <a:fld id="{2ABC02D7-CBD1-4D33-B166-78A898DF0F76}" type="datetimeFigureOut">
               <a:rPr kumimoji="1" lang="ja-JP" altLang="en-US" smtClean="0"/>
-              <a:t>2024/5/22</a:t>
+              <a:t>2024/6/13</a:t>
             </a:fld>
             <a:endParaRPr kumimoji="1" lang="ja-JP" altLang="en-US"/>
           </a:p>
@@ -1798,7 +1798,7 @@
           <a:p>
             <a:fld id="{2ABC02D7-CBD1-4D33-B166-78A898DF0F76}" type="datetimeFigureOut">
               <a:rPr kumimoji="1" lang="ja-JP" altLang="en-US" smtClean="0"/>
-              <a:t>2024/5/22</a:t>
+              <a:t>2024/6/13</a:t>
             </a:fld>
             <a:endParaRPr kumimoji="1" lang="ja-JP" altLang="en-US"/>
           </a:p>
@@ -2229,7 +2229,7 @@
           <a:p>
             <a:fld id="{2ABC02D7-CBD1-4D33-B166-78A898DF0F76}" type="datetimeFigureOut">
               <a:rPr kumimoji="1" lang="ja-JP" altLang="en-US" smtClean="0"/>
-              <a:t>2024/5/22</a:t>
+              <a:t>2024/6/13</a:t>
             </a:fld>
             <a:endParaRPr kumimoji="1" lang="ja-JP" altLang="en-US"/>
           </a:p>
@@ -2347,7 +2347,7 @@
           <a:p>
             <a:fld id="{2ABC02D7-CBD1-4D33-B166-78A898DF0F76}" type="datetimeFigureOut">
               <a:rPr kumimoji="1" lang="ja-JP" altLang="en-US" smtClean="0"/>
-              <a:t>2024/5/22</a:t>
+              <a:t>2024/6/13</a:t>
             </a:fld>
             <a:endParaRPr kumimoji="1" lang="ja-JP" altLang="en-US"/>
           </a:p>
@@ -2442,7 +2442,7 @@
           <a:p>
             <a:fld id="{2ABC02D7-CBD1-4D33-B166-78A898DF0F76}" type="datetimeFigureOut">
               <a:rPr kumimoji="1" lang="ja-JP" altLang="en-US" smtClean="0"/>
-              <a:t>2024/5/22</a:t>
+              <a:t>2024/6/13</a:t>
             </a:fld>
             <a:endParaRPr kumimoji="1" lang="ja-JP" altLang="en-US"/>
           </a:p>
@@ -2751,7 +2751,7 @@
           <a:p>
             <a:fld id="{2ABC02D7-CBD1-4D33-B166-78A898DF0F76}" type="datetimeFigureOut">
               <a:rPr kumimoji="1" lang="ja-JP" altLang="en-US" smtClean="0"/>
-              <a:t>2024/5/22</a:t>
+              <a:t>2024/6/13</a:t>
             </a:fld>
             <a:endParaRPr kumimoji="1" lang="ja-JP" altLang="en-US"/>
           </a:p>
@@ -3008,7 +3008,7 @@
           <a:p>
             <a:fld id="{2ABC02D7-CBD1-4D33-B166-78A898DF0F76}" type="datetimeFigureOut">
               <a:rPr kumimoji="1" lang="ja-JP" altLang="en-US" smtClean="0"/>
-              <a:t>2024/5/22</a:t>
+              <a:t>2024/6/13</a:t>
             </a:fld>
             <a:endParaRPr kumimoji="1" lang="ja-JP" altLang="en-US"/>
           </a:p>
@@ -3253,7 +3253,7 @@
           <a:p>
             <a:fld id="{2ABC02D7-CBD1-4D33-B166-78A898DF0F76}" type="datetimeFigureOut">
               <a:rPr kumimoji="1" lang="ja-JP" altLang="en-US" smtClean="0"/>
-              <a:t>2024/5/22</a:t>
+              <a:t>2024/6/13</a:t>
             </a:fld>
             <a:endParaRPr kumimoji="1" lang="ja-JP" altLang="en-US"/>
           </a:p>
@@ -3672,7 +3672,7 @@
         </p:nvSpPr>
         <p:spPr>
           <a:xfrm>
-            <a:off x="0" y="2659559"/>
+            <a:off x="199144" y="2663715"/>
             <a:ext cx="9002151" cy="769441"/>
           </a:xfrm>
           <a:prstGeom prst="rect">
@@ -3686,7 +3686,6 @@
           </a:bodyPr>
           <a:lstStyle/>
           <a:p>
-            <a:pPr algn="ctr"/>
             <a:r>
               <a:rPr kumimoji="1" lang="en-US" altLang="ja-JP" sz="4400" b="1" dirty="0">
                 <a:latin typeface="メイリオ" panose="020B0604030504040204" pitchFamily="50" charset="-128"/>

--- a/colaboratoryの操作.pptx
+++ b/colaboratoryの操作.pptx
@@ -210,7 +210,7 @@
           <a:p>
             <a:fld id="{B176FF22-B1CA-4671-AC40-D6AD1168A308}" type="datetimeFigureOut">
               <a:rPr kumimoji="1" lang="ja-JP" altLang="en-US" smtClean="0"/>
-              <a:t>2024/6/13</a:t>
+              <a:t>2024/6/14</a:t>
             </a:fld>
             <a:endParaRPr kumimoji="1" lang="ja-JP" altLang="en-US"/>
           </a:p>
@@ -640,7 +640,7 @@
           <a:p>
             <a:fld id="{2ABC02D7-CBD1-4D33-B166-78A898DF0F76}" type="datetimeFigureOut">
               <a:rPr kumimoji="1" lang="ja-JP" altLang="en-US" smtClean="0"/>
-              <a:t>2024/6/13</a:t>
+              <a:t>2024/6/14</a:t>
             </a:fld>
             <a:endParaRPr kumimoji="1" lang="ja-JP" altLang="en-US"/>
           </a:p>
@@ -842,7 +842,7 @@
           <a:p>
             <a:fld id="{2ABC02D7-CBD1-4D33-B166-78A898DF0F76}" type="datetimeFigureOut">
               <a:rPr kumimoji="1" lang="ja-JP" altLang="en-US" smtClean="0"/>
-              <a:t>2024/6/13</a:t>
+              <a:t>2024/6/14</a:t>
             </a:fld>
             <a:endParaRPr kumimoji="1" lang="ja-JP" altLang="en-US"/>
           </a:p>
@@ -1054,7 +1054,7 @@
           <a:p>
             <a:fld id="{2ABC02D7-CBD1-4D33-B166-78A898DF0F76}" type="datetimeFigureOut">
               <a:rPr kumimoji="1" lang="ja-JP" altLang="en-US" smtClean="0"/>
-              <a:t>2024/6/13</a:t>
+              <a:t>2024/6/14</a:t>
             </a:fld>
             <a:endParaRPr kumimoji="1" lang="ja-JP" altLang="en-US"/>
           </a:p>
@@ -1256,7 +1256,7 @@
           <a:p>
             <a:fld id="{2ABC02D7-CBD1-4D33-B166-78A898DF0F76}" type="datetimeFigureOut">
               <a:rPr kumimoji="1" lang="ja-JP" altLang="en-US" smtClean="0"/>
-              <a:t>2024/6/13</a:t>
+              <a:t>2024/6/14</a:t>
             </a:fld>
             <a:endParaRPr kumimoji="1" lang="ja-JP" altLang="en-US"/>
           </a:p>
@@ -1502,7 +1502,7 @@
           <a:p>
             <a:fld id="{2ABC02D7-CBD1-4D33-B166-78A898DF0F76}" type="datetimeFigureOut">
               <a:rPr kumimoji="1" lang="ja-JP" altLang="en-US" smtClean="0"/>
-              <a:t>2024/6/13</a:t>
+              <a:t>2024/6/14</a:t>
             </a:fld>
             <a:endParaRPr kumimoji="1" lang="ja-JP" altLang="en-US"/>
           </a:p>
@@ -1798,7 +1798,7 @@
           <a:p>
             <a:fld id="{2ABC02D7-CBD1-4D33-B166-78A898DF0F76}" type="datetimeFigureOut">
               <a:rPr kumimoji="1" lang="ja-JP" altLang="en-US" smtClean="0"/>
-              <a:t>2024/6/13</a:t>
+              <a:t>2024/6/14</a:t>
             </a:fld>
             <a:endParaRPr kumimoji="1" lang="ja-JP" altLang="en-US"/>
           </a:p>
@@ -2229,7 +2229,7 @@
           <a:p>
             <a:fld id="{2ABC02D7-CBD1-4D33-B166-78A898DF0F76}" type="datetimeFigureOut">
               <a:rPr kumimoji="1" lang="ja-JP" altLang="en-US" smtClean="0"/>
-              <a:t>2024/6/13</a:t>
+              <a:t>2024/6/14</a:t>
             </a:fld>
             <a:endParaRPr kumimoji="1" lang="ja-JP" altLang="en-US"/>
           </a:p>
@@ -2347,7 +2347,7 @@
           <a:p>
             <a:fld id="{2ABC02D7-CBD1-4D33-B166-78A898DF0F76}" type="datetimeFigureOut">
               <a:rPr kumimoji="1" lang="ja-JP" altLang="en-US" smtClean="0"/>
-              <a:t>2024/6/13</a:t>
+              <a:t>2024/6/14</a:t>
             </a:fld>
             <a:endParaRPr kumimoji="1" lang="ja-JP" altLang="en-US"/>
           </a:p>
@@ -2442,7 +2442,7 @@
           <a:p>
             <a:fld id="{2ABC02D7-CBD1-4D33-B166-78A898DF0F76}" type="datetimeFigureOut">
               <a:rPr kumimoji="1" lang="ja-JP" altLang="en-US" smtClean="0"/>
-              <a:t>2024/6/13</a:t>
+              <a:t>2024/6/14</a:t>
             </a:fld>
             <a:endParaRPr kumimoji="1" lang="ja-JP" altLang="en-US"/>
           </a:p>
@@ -2751,7 +2751,7 @@
           <a:p>
             <a:fld id="{2ABC02D7-CBD1-4D33-B166-78A898DF0F76}" type="datetimeFigureOut">
               <a:rPr kumimoji="1" lang="ja-JP" altLang="en-US" smtClean="0"/>
-              <a:t>2024/6/13</a:t>
+              <a:t>2024/6/14</a:t>
             </a:fld>
             <a:endParaRPr kumimoji="1" lang="ja-JP" altLang="en-US"/>
           </a:p>
@@ -3008,7 +3008,7 @@
           <a:p>
             <a:fld id="{2ABC02D7-CBD1-4D33-B166-78A898DF0F76}" type="datetimeFigureOut">
               <a:rPr kumimoji="1" lang="ja-JP" altLang="en-US" smtClean="0"/>
-              <a:t>2024/6/13</a:t>
+              <a:t>2024/6/14</a:t>
             </a:fld>
             <a:endParaRPr kumimoji="1" lang="ja-JP" altLang="en-US"/>
           </a:p>
@@ -3253,7 +3253,7 @@
           <a:p>
             <a:fld id="{2ABC02D7-CBD1-4D33-B166-78A898DF0F76}" type="datetimeFigureOut">
               <a:rPr kumimoji="1" lang="ja-JP" altLang="en-US" smtClean="0"/>
-              <a:t>2024/6/13</a:t>
+              <a:t>2024/6/14</a:t>
             </a:fld>
             <a:endParaRPr kumimoji="1" lang="ja-JP" altLang="en-US"/>
           </a:p>
@@ -3699,6 +3699,13 @@
                 <a:ea typeface="メイリオ" panose="020B0604030504040204" pitchFamily="50" charset="-128"/>
               </a:rPr>
               <a:t>colaboratry</a:t>
+            </a:r>
+            <a:r>
+              <a:rPr kumimoji="1" lang="ja-JP" altLang="en-US" sz="4400" b="1">
+                <a:latin typeface="メイリオ" panose="020B0604030504040204" pitchFamily="50" charset="-128"/>
+                <a:ea typeface="メイリオ" panose="020B0604030504040204" pitchFamily="50" charset="-128"/>
+              </a:rPr>
+              <a:t>　</a:t>
             </a:r>
             <a:endParaRPr kumimoji="1" lang="ja-JP" altLang="en-US" sz="4400" b="1" dirty="0">
               <a:latin typeface="メイリオ" panose="020B0604030504040204" pitchFamily="50" charset="-128"/>

--- a/colaboratoryの操作.pptx
+++ b/colaboratoryの操作.pptx
@@ -3701,16 +3701,12 @@
               <a:t>colaboratry</a:t>
             </a:r>
             <a:r>
-              <a:rPr kumimoji="1" lang="ja-JP" altLang="en-US" sz="4400" b="1">
-                <a:latin typeface="メイリオ" panose="020B0604030504040204" pitchFamily="50" charset="-128"/>
-                <a:ea typeface="メイリオ" panose="020B0604030504040204" pitchFamily="50" charset="-128"/>
-              </a:rPr>
-              <a:t>　</a:t>
-            </a:r>
-            <a:endParaRPr kumimoji="1" lang="ja-JP" altLang="en-US" sz="4400" b="1" dirty="0">
-              <a:latin typeface="メイリオ" panose="020B0604030504040204" pitchFamily="50" charset="-128"/>
-              <a:ea typeface="メイリオ" panose="020B0604030504040204" pitchFamily="50" charset="-128"/>
-            </a:endParaRPr>
+              <a:rPr kumimoji="1" lang="ja-JP" altLang="en-US" sz="4400" b="1" dirty="0">
+                <a:latin typeface="メイリオ" panose="020B0604030504040204" pitchFamily="50" charset="-128"/>
+                <a:ea typeface="メイリオ" panose="020B0604030504040204" pitchFamily="50" charset="-128"/>
+              </a:rPr>
+              <a:t>　　</a:t>
+            </a:r>
           </a:p>
         </p:txBody>
       </p:sp>

--- a/colaboratoryの操作.pptx
+++ b/colaboratoryの操作.pptx
@@ -3701,12 +3701,16 @@
               <a:t>colaboratry</a:t>
             </a:r>
             <a:r>
-              <a:rPr kumimoji="1" lang="ja-JP" altLang="en-US" sz="4400" b="1" dirty="0">
-                <a:latin typeface="メイリオ" panose="020B0604030504040204" pitchFamily="50" charset="-128"/>
-                <a:ea typeface="メイリオ" panose="020B0604030504040204" pitchFamily="50" charset="-128"/>
-              </a:rPr>
-              <a:t>　　</a:t>
-            </a:r>
+              <a:rPr kumimoji="1" lang="ja-JP" altLang="en-US" sz="4400" b="1">
+                <a:latin typeface="メイリオ" panose="020B0604030504040204" pitchFamily="50" charset="-128"/>
+                <a:ea typeface="メイリオ" panose="020B0604030504040204" pitchFamily="50" charset="-128"/>
+              </a:rPr>
+              <a:t>　　　　　　</a:t>
+            </a:r>
+            <a:endParaRPr kumimoji="1" lang="ja-JP" altLang="en-US" sz="4400" b="1" dirty="0">
+              <a:latin typeface="メイリオ" panose="020B0604030504040204" pitchFamily="50" charset="-128"/>
+              <a:ea typeface="メイリオ" panose="020B0604030504040204" pitchFamily="50" charset="-128"/>
+            </a:endParaRPr>
           </a:p>
         </p:txBody>
       </p:sp>

--- a/colaboratoryの操作.pptx
+++ b/colaboratoryの操作.pptx
@@ -3672,7 +3672,7 @@
         </p:nvSpPr>
         <p:spPr>
           <a:xfrm>
-            <a:off x="199144" y="2663715"/>
+            <a:off x="413456" y="2406540"/>
             <a:ext cx="9002151" cy="769441"/>
           </a:xfrm>
           <a:prstGeom prst="rect">
@@ -3701,16 +3701,12 @@
               <a:t>colaboratry</a:t>
             </a:r>
             <a:r>
-              <a:rPr kumimoji="1" lang="ja-JP" altLang="en-US" sz="4400" b="1">
+              <a:rPr kumimoji="1" lang="ja-JP" altLang="en-US" sz="4400" b="1" dirty="0">
                 <a:latin typeface="メイリオ" panose="020B0604030504040204" pitchFamily="50" charset="-128"/>
                 <a:ea typeface="メイリオ" panose="020B0604030504040204" pitchFamily="50" charset="-128"/>
               </a:rPr>
               <a:t>　　　　　　</a:t>
             </a:r>
-            <a:endParaRPr kumimoji="1" lang="ja-JP" altLang="en-US" sz="4400" b="1" dirty="0">
-              <a:latin typeface="メイリオ" panose="020B0604030504040204" pitchFamily="50" charset="-128"/>
-              <a:ea typeface="メイリオ" panose="020B0604030504040204" pitchFamily="50" charset="-128"/>
-            </a:endParaRPr>
           </a:p>
         </p:txBody>
       </p:sp>
